--- a/materials/slides/2.12 探索式软件测试 ——通宵测试法.pptx
+++ b/materials/slides/2.12 探索式软件测试 ——通宵测试法.pptx
@@ -5,7 +5,7 @@
     <p:sldMasterId id="2147483648" r:id="rId1"/>
   </p:sldMasterIdLst>
   <p:notesMasterIdLst>
-    <p:notesMasterId r:id="rId10"/>
+    <p:notesMasterId r:id="rId11"/>
   </p:notesMasterIdLst>
   <p:sldIdLst>
     <p:sldId id="256" r:id="rId2"/>
@@ -13,9 +13,10 @@
     <p:sldId id="315" r:id="rId4"/>
     <p:sldId id="316" r:id="rId5"/>
     <p:sldId id="317" r:id="rId6"/>
-    <p:sldId id="318" r:id="rId7"/>
-    <p:sldId id="312" r:id="rId8"/>
-    <p:sldId id="274" r:id="rId9"/>
+    <p:sldId id="319" r:id="rId7"/>
+    <p:sldId id="318" r:id="rId8"/>
+    <p:sldId id="312" r:id="rId9"/>
+    <p:sldId id="274" r:id="rId10"/>
   </p:sldIdLst>
   <p:sldSz cx="12192000" cy="6858000"/>
   <p:notesSz cx="6858000" cy="9144000"/>
@@ -207,7 +208,7 @@
           <a:p>
             <a:fld id="{EC82124A-F363-4BD3-8BA5-C8EDB8A4673E}" type="datetimeFigureOut">
               <a:rPr lang="zh-CN" altLang="en-US" smtClean="0"/>
-              <a:t>2019/8/25</a:t>
+              <a:t>2019/9/25</a:t>
             </a:fld>
             <a:endParaRPr lang="zh-CN" altLang="en-US"/>
           </a:p>
@@ -559,6 +560,90 @@
 </p:notes>
 </file>
 
+<file path=ppt/notesSlides/notesSlide2.xml><?xml version="1.0" encoding="utf-8"?>
+<p:notes xmlns:a="http://schemas.openxmlformats.org/drawingml/2006/main" xmlns:r="http://schemas.openxmlformats.org/officeDocument/2006/relationships" xmlns:p="http://schemas.openxmlformats.org/presentationml/2006/main">
+  <p:cSld>
+    <p:spTree>
+      <p:nvGrpSpPr>
+        <p:cNvPr id="1" name=""/>
+        <p:cNvGrpSpPr/>
+        <p:nvPr/>
+      </p:nvGrpSpPr>
+      <p:grpSpPr>
+        <a:xfrm>
+          <a:off x="0" y="0"/>
+          <a:ext cx="0" cy="0"/>
+          <a:chOff x="0" y="0"/>
+          <a:chExt cx="0" cy="0"/>
+        </a:xfrm>
+      </p:grpSpPr>
+      <p:sp>
+        <p:nvSpPr>
+          <p:cNvPr id="2" name="幻灯片图像占位符 1"/>
+          <p:cNvSpPr>
+            <a:spLocks noGrp="1" noRot="1" noChangeAspect="1"/>
+          </p:cNvSpPr>
+          <p:nvPr>
+            <p:ph type="sldImg"/>
+          </p:nvPr>
+        </p:nvSpPr>
+        <p:spPr/>
+      </p:sp>
+      <p:sp>
+        <p:nvSpPr>
+          <p:cNvPr id="3" name="备注占位符 2"/>
+          <p:cNvSpPr>
+            <a:spLocks noGrp="1"/>
+          </p:cNvSpPr>
+          <p:nvPr>
+            <p:ph type="body" idx="1"/>
+          </p:nvPr>
+        </p:nvSpPr>
+        <p:spPr/>
+        <p:txBody>
+          <a:bodyPr/>
+          <a:lstStyle/>
+          <a:p>
+            <a:endParaRPr lang="zh-CN" altLang="en-US" dirty="0"/>
+          </a:p>
+        </p:txBody>
+      </p:sp>
+      <p:sp>
+        <p:nvSpPr>
+          <p:cNvPr id="4" name="灯片编号占位符 3"/>
+          <p:cNvSpPr>
+            <a:spLocks noGrp="1"/>
+          </p:cNvSpPr>
+          <p:nvPr>
+            <p:ph type="sldNum" sz="quarter" idx="10"/>
+          </p:nvPr>
+        </p:nvSpPr>
+        <p:spPr/>
+        <p:txBody>
+          <a:bodyPr/>
+          <a:lstStyle/>
+          <a:p>
+            <a:fld id="{8D7ACA88-C620-47A1-A6D3-F68F6DD6FEE9}" type="slidenum">
+              <a:rPr lang="zh-CN" altLang="en-US" smtClean="0"/>
+              <a:t>5</a:t>
+            </a:fld>
+            <a:endParaRPr lang="zh-CN" altLang="en-US"/>
+          </a:p>
+        </p:txBody>
+      </p:sp>
+    </p:spTree>
+    <p:extLst>
+      <p:ext uri="{BB962C8B-B14F-4D97-AF65-F5344CB8AC3E}">
+        <p14:creationId xmlns:p14="http://schemas.microsoft.com/office/powerpoint/2010/main" val="2835273909"/>
+      </p:ext>
+    </p:extLst>
+  </p:cSld>
+  <p:clrMapOvr>
+    <a:masterClrMapping/>
+  </p:clrMapOvr>
+</p:notes>
+</file>
+
 <file path=ppt/slideLayouts/slideLayout1.xml><?xml version="1.0" encoding="utf-8"?>
 <p:sldLayout xmlns:a="http://schemas.openxmlformats.org/drawingml/2006/main" xmlns:r="http://schemas.openxmlformats.org/officeDocument/2006/relationships" xmlns:p="http://schemas.openxmlformats.org/presentationml/2006/main" type="title" preserve="1">
   <p:cSld name="标题幻灯片">
@@ -694,7 +779,7 @@
           <a:p>
             <a:fld id="{C04CF4A6-17F9-4CD5-BCB8-44B65F331829}" type="datetimeFigureOut">
               <a:rPr lang="zh-CN" altLang="en-US" smtClean="0"/>
-              <a:t>2019/8/25</a:t>
+              <a:t>2019/9/25</a:t>
             </a:fld>
             <a:endParaRPr lang="zh-CN" altLang="en-US"/>
           </a:p>
@@ -986,7 +1071,7 @@
           <a:p>
             <a:fld id="{C04CF4A6-17F9-4CD5-BCB8-44B65F331829}" type="datetimeFigureOut">
               <a:rPr lang="zh-CN" altLang="en-US" smtClean="0"/>
-              <a:t>2019/8/25</a:t>
+              <a:t>2019/9/25</a:t>
             </a:fld>
             <a:endParaRPr lang="zh-CN" altLang="en-US"/>
           </a:p>
@@ -1156,7 +1241,7 @@
           <a:p>
             <a:fld id="{C04CF4A6-17F9-4CD5-BCB8-44B65F331829}" type="datetimeFigureOut">
               <a:rPr lang="zh-CN" altLang="en-US" smtClean="0"/>
-              <a:t>2019/8/25</a:t>
+              <a:t>2019/9/25</a:t>
             </a:fld>
             <a:endParaRPr lang="zh-CN" altLang="en-US"/>
           </a:p>
@@ -1336,7 +1421,7 @@
           <a:p>
             <a:fld id="{C04CF4A6-17F9-4CD5-BCB8-44B65F331829}" type="datetimeFigureOut">
               <a:rPr lang="zh-CN" altLang="en-US" smtClean="0"/>
-              <a:t>2019/8/25</a:t>
+              <a:t>2019/9/25</a:t>
             </a:fld>
             <a:endParaRPr lang="zh-CN" altLang="en-US"/>
           </a:p>
@@ -1560,7 +1645,7 @@
           <a:p>
             <a:fld id="{C04CF4A6-17F9-4CD5-BCB8-44B65F331829}" type="datetimeFigureOut">
               <a:rPr lang="zh-CN" altLang="en-US" smtClean="0"/>
-              <a:t>2019/8/25</a:t>
+              <a:t>2019/9/25</a:t>
             </a:fld>
             <a:endParaRPr lang="zh-CN" altLang="en-US"/>
           </a:p>
@@ -1857,7 +1942,7 @@
           <a:p>
             <a:fld id="{C04CF4A6-17F9-4CD5-BCB8-44B65F331829}" type="datetimeFigureOut">
               <a:rPr lang="zh-CN" altLang="en-US" smtClean="0"/>
-              <a:t>2019/8/25</a:t>
+              <a:t>2019/9/25</a:t>
             </a:fld>
             <a:endParaRPr lang="zh-CN" altLang="en-US"/>
           </a:p>
@@ -2176,7 +2261,7 @@
           <a:p>
             <a:fld id="{C04CF4A6-17F9-4CD5-BCB8-44B65F331829}" type="datetimeFigureOut">
               <a:rPr lang="zh-CN" altLang="en-US" smtClean="0"/>
-              <a:t>2019/8/25</a:t>
+              <a:t>2019/9/25</a:t>
             </a:fld>
             <a:endParaRPr lang="zh-CN" altLang="en-US"/>
           </a:p>
@@ -2408,7 +2493,7 @@
           <a:p>
             <a:fld id="{C04CF4A6-17F9-4CD5-BCB8-44B65F331829}" type="datetimeFigureOut">
               <a:rPr lang="zh-CN" altLang="en-US" smtClean="0"/>
-              <a:t>2019/8/25</a:t>
+              <a:t>2019/9/25</a:t>
             </a:fld>
             <a:endParaRPr lang="zh-CN" altLang="en-US"/>
           </a:p>
@@ -2775,7 +2860,7 @@
           <a:p>
             <a:fld id="{C04CF4A6-17F9-4CD5-BCB8-44B65F331829}" type="datetimeFigureOut">
               <a:rPr lang="zh-CN" altLang="en-US" smtClean="0"/>
-              <a:t>2019/8/25</a:t>
+              <a:t>2019/9/25</a:t>
             </a:fld>
             <a:endParaRPr lang="zh-CN" altLang="en-US"/>
           </a:p>
@@ -2893,7 +2978,7 @@
           <a:p>
             <a:fld id="{C04CF4A6-17F9-4CD5-BCB8-44B65F331829}" type="datetimeFigureOut">
               <a:rPr lang="zh-CN" altLang="en-US" smtClean="0"/>
-              <a:t>2019/8/25</a:t>
+              <a:t>2019/9/25</a:t>
             </a:fld>
             <a:endParaRPr lang="zh-CN" altLang="en-US"/>
           </a:p>
@@ -2988,7 +3073,7 @@
           <a:p>
             <a:fld id="{C04CF4A6-17F9-4CD5-BCB8-44B65F331829}" type="datetimeFigureOut">
               <a:rPr lang="zh-CN" altLang="en-US" smtClean="0"/>
-              <a:t>2019/8/25</a:t>
+              <a:t>2019/9/25</a:t>
             </a:fld>
             <a:endParaRPr lang="zh-CN" altLang="en-US"/>
           </a:p>
@@ -3265,7 +3350,7 @@
           <a:p>
             <a:fld id="{C04CF4A6-17F9-4CD5-BCB8-44B65F331829}" type="datetimeFigureOut">
               <a:rPr lang="zh-CN" altLang="en-US" smtClean="0"/>
-              <a:t>2019/8/25</a:t>
+              <a:t>2019/9/25</a:t>
             </a:fld>
             <a:endParaRPr lang="zh-CN" altLang="en-US"/>
           </a:p>
@@ -3478,7 +3563,7 @@
           <a:p>
             <a:fld id="{C04CF4A6-17F9-4CD5-BCB8-44B65F331829}" type="datetimeFigureOut">
               <a:rPr lang="zh-CN" altLang="en-US" smtClean="0"/>
-              <a:t>2019/8/25</a:t>
+              <a:t>2019/9/25</a:t>
             </a:fld>
             <a:endParaRPr lang="zh-CN" altLang="en-US"/>
           </a:p>
@@ -4083,6 +4168,13 @@
   <p:clrMapOvr>
     <a:masterClrMapping/>
   </p:clrMapOvr>
+  <p:timing>
+    <p:tnLst>
+      <p:par>
+        <p:cTn id="1" dur="indefinite" restart="never" nodeType="tmRoot"/>
+      </p:par>
+    </p:tnLst>
+  </p:timing>
 </p:sld>
 </file>
 
@@ -5298,7 +5390,7 @@
           <p:nvPr/>
         </p:nvPicPr>
         <p:blipFill>
-          <a:blip r:embed="rId2"/>
+          <a:blip r:embed="rId3"/>
           <a:stretch>
             <a:fillRect/>
           </a:stretch>
@@ -5464,6 +5556,257 @@
 </file>
 
 <file path=ppt/slides/slide6.xml><?xml version="1.0" encoding="utf-8"?>
+<p:sld xmlns:a="http://schemas.openxmlformats.org/drawingml/2006/main" xmlns:r="http://schemas.openxmlformats.org/officeDocument/2006/relationships" xmlns:p="http://schemas.openxmlformats.org/presentationml/2006/main">
+  <p:cSld>
+    <p:spTree>
+      <p:nvGrpSpPr>
+        <p:cNvPr id="1" name=""/>
+        <p:cNvGrpSpPr/>
+        <p:nvPr/>
+      </p:nvGrpSpPr>
+      <p:grpSpPr>
+        <a:xfrm>
+          <a:off x="0" y="0"/>
+          <a:ext cx="0" cy="0"/>
+          <a:chOff x="0" y="0"/>
+          <a:chExt cx="0" cy="0"/>
+        </a:xfrm>
+      </p:grpSpPr>
+      <p:sp>
+        <p:nvSpPr>
+          <p:cNvPr id="2" name="标题 1"/>
+          <p:cNvSpPr>
+            <a:spLocks noGrp="1"/>
+          </p:cNvSpPr>
+          <p:nvPr>
+            <p:ph type="title"/>
+          </p:nvPr>
+        </p:nvSpPr>
+        <p:spPr/>
+        <p:txBody>
+          <a:bodyPr/>
+          <a:lstStyle/>
+          <a:p>
+            <a:r>
+              <a:rPr lang="zh-CN" altLang="en-US" smtClean="0"/>
+              <a:t>通宵测试法举例</a:t>
+            </a:r>
+            <a:endParaRPr lang="zh-CN" altLang="en-US" dirty="0"/>
+          </a:p>
+        </p:txBody>
+      </p:sp>
+      <p:sp>
+        <p:nvSpPr>
+          <p:cNvPr id="3" name="内容占位符 2"/>
+          <p:cNvSpPr>
+            <a:spLocks noGrp="1"/>
+          </p:cNvSpPr>
+          <p:nvPr>
+            <p:ph idx="1"/>
+          </p:nvPr>
+        </p:nvSpPr>
+        <p:spPr>
+          <a:xfrm>
+            <a:off x="850899" y="1161595"/>
+            <a:ext cx="10862129" cy="5500462"/>
+          </a:xfrm>
+        </p:spPr>
+        <p:txBody>
+          <a:bodyPr>
+            <a:normAutofit fontScale="92500"/>
+          </a:bodyPr>
+          <a:lstStyle/>
+          <a:p>
+            <a:r>
+              <a:rPr lang="zh-CN" altLang="en-US" dirty="0" smtClean="0"/>
+              <a:t>在浏览器中打开</a:t>
+            </a:r>
+            <a:r>
+              <a:rPr lang="en-US" altLang="zh-CN" dirty="0" smtClean="0">
+                <a:hlinkClick r:id="rId2"/>
+              </a:rPr>
+              <a:t>www.sohu.com</a:t>
+            </a:r>
+            <a:r>
+              <a:rPr lang="zh-CN" altLang="en-US" dirty="0" smtClean="0"/>
+              <a:t>，在查找栏中搜索“搜狐”，连续点击“上一个”，重复该步骤，查看浏览器运行是否正常</a:t>
+            </a:r>
+            <a:endParaRPr lang="en-US" altLang="zh-CN" dirty="0" smtClean="0"/>
+          </a:p>
+          <a:p>
+            <a:r>
+              <a:rPr lang="zh-CN" altLang="en-US" dirty="0" smtClean="0"/>
+              <a:t>探索验证</a:t>
+            </a:r>
+            <a:r>
+              <a:rPr lang="en-US" altLang="zh-CN" dirty="0" smtClean="0"/>
+              <a:t>IE</a:t>
+            </a:r>
+            <a:r>
+              <a:rPr lang="zh-CN" altLang="en-US" dirty="0" smtClean="0"/>
+              <a:t>内核的稳定性，探索方法：</a:t>
+            </a:r>
+            <a:endParaRPr lang="en-US" altLang="zh-CN" dirty="0" smtClean="0"/>
+          </a:p>
+          <a:p>
+            <a:pPr lvl="1"/>
+            <a:r>
+              <a:rPr lang="zh-CN" altLang="en-US" dirty="0" smtClean="0"/>
+              <a:t>使用</a:t>
+            </a:r>
+            <a:r>
+              <a:rPr lang="en-US" altLang="zh-CN" dirty="0" smtClean="0"/>
+              <a:t>Performance Monitor</a:t>
+            </a:r>
+            <a:r>
+              <a:rPr lang="zh-CN" altLang="en-US" dirty="0" smtClean="0"/>
+              <a:t>，监控待测软件的资源占用，监控时间间隔</a:t>
+            </a:r>
+            <a:r>
+              <a:rPr lang="en-US" altLang="zh-CN" dirty="0" smtClean="0"/>
+              <a:t>1</a:t>
+            </a:r>
+            <a:r>
+              <a:rPr lang="zh-CN" altLang="en-US" dirty="0" smtClean="0"/>
+              <a:t>秒；</a:t>
+            </a:r>
+            <a:endParaRPr lang="en-US" altLang="zh-CN" dirty="0" smtClean="0"/>
+          </a:p>
+          <a:p>
+            <a:pPr lvl="1"/>
+            <a:r>
+              <a:rPr lang="zh-CN" altLang="en-US" dirty="0" smtClean="0"/>
+              <a:t>测试数据：</a:t>
+            </a:r>
+            <a:r>
+              <a:rPr lang="en-US" altLang="zh-CN" dirty="0" smtClean="0">
+                <a:hlinkClick r:id="rId3"/>
+              </a:rPr>
+              <a:t>http://123.ie.sogou.com</a:t>
+            </a:r>
+            <a:r>
+              <a:rPr lang="zh-CN" altLang="en-US" dirty="0" smtClean="0">
+                <a:hlinkClick r:id="rId3"/>
+              </a:rPr>
+              <a:t>，</a:t>
+            </a:r>
+            <a:r>
+              <a:rPr lang="en-US" altLang="zh-CN" dirty="0" smtClean="0">
+                <a:hlinkClick r:id="rId3"/>
+              </a:rPr>
+              <a:t>http://www.sohu.com</a:t>
+            </a:r>
+            <a:r>
+              <a:rPr lang="zh-CN" altLang="en-US" dirty="0" smtClean="0">
+                <a:hlinkClick r:id="rId3"/>
+              </a:rPr>
+              <a:t>，</a:t>
+            </a:r>
+            <a:r>
+              <a:rPr lang="en-US" altLang="zh-CN" dirty="0" smtClean="0">
+                <a:hlinkClick r:id="rId3"/>
+              </a:rPr>
+              <a:t>http://www.tudou.com</a:t>
+            </a:r>
+            <a:r>
+              <a:rPr lang="zh-CN" altLang="en-US" dirty="0" smtClean="0">
+                <a:hlinkClick r:id="rId3"/>
+              </a:rPr>
+              <a:t>，</a:t>
+            </a:r>
+            <a:r>
+              <a:rPr lang="en-US" altLang="zh-CN" dirty="0" smtClean="0">
+                <a:hlinkClick r:id="rId3"/>
+              </a:rPr>
+              <a:t>http://www.baidu.com</a:t>
+            </a:r>
+            <a:r>
+              <a:rPr lang="en-US" altLang="zh-CN" dirty="0" smtClean="0"/>
+              <a:t> </a:t>
+            </a:r>
+            <a:r>
+              <a:rPr lang="zh-CN" altLang="en-US" dirty="0" smtClean="0"/>
+              <a:t>，</a:t>
+            </a:r>
+            <a:r>
+              <a:rPr lang="en-US" altLang="zh-CN" dirty="0" smtClean="0">
+                <a:hlinkClick r:id="rId4"/>
+              </a:rPr>
+              <a:t>http://tieba.baidu.com</a:t>
+            </a:r>
+            <a:r>
+              <a:rPr lang="zh-CN" altLang="en-US" dirty="0" smtClean="0">
+                <a:hlinkClick r:id="rId4"/>
+              </a:rPr>
+              <a:t>，</a:t>
+            </a:r>
+            <a:r>
+              <a:rPr lang="en-US" altLang="zh-CN" dirty="0" smtClean="0">
+                <a:hlinkClick r:id="rId4"/>
+              </a:rPr>
+              <a:t>http://Kankan.xunlei.com</a:t>
+            </a:r>
+            <a:r>
+              <a:rPr lang="zh-CN" altLang="en-US" dirty="0" smtClean="0"/>
+              <a:t>，重复打开新标签页，依次输入每一个</a:t>
+            </a:r>
+            <a:r>
+              <a:rPr lang="en-US" altLang="zh-CN" dirty="0" smtClean="0"/>
+              <a:t>URL</a:t>
+            </a:r>
+            <a:r>
+              <a:rPr lang="zh-CN" altLang="en-US" dirty="0" smtClean="0"/>
+              <a:t>，关闭</a:t>
+            </a:r>
+            <a:r>
+              <a:rPr lang="en-US" altLang="zh-CN" dirty="0" smtClean="0"/>
+              <a:t>5</a:t>
+            </a:r>
+            <a:r>
+              <a:rPr lang="zh-CN" altLang="en-US" dirty="0" smtClean="0"/>
+              <a:t>个标签页后，继续打开空白标签页，输入每个</a:t>
+            </a:r>
+            <a:r>
+              <a:rPr lang="en-US" altLang="zh-CN" dirty="0" smtClean="0"/>
+              <a:t>URL</a:t>
+            </a:r>
+            <a:r>
+              <a:rPr lang="zh-CN" altLang="en-US" dirty="0" smtClean="0"/>
+              <a:t>，持续</a:t>
+            </a:r>
+            <a:r>
+              <a:rPr lang="en-US" altLang="zh-CN" dirty="0" smtClean="0"/>
+              <a:t>6</a:t>
+            </a:r>
+            <a:r>
+              <a:rPr lang="zh-CN" altLang="en-US" dirty="0" smtClean="0"/>
+              <a:t>小时</a:t>
+            </a:r>
+            <a:endParaRPr lang="zh-CN" altLang="en-US" dirty="0"/>
+          </a:p>
+        </p:txBody>
+      </p:sp>
+    </p:spTree>
+    <p:extLst>
+      <p:ext uri="{BB962C8B-B14F-4D97-AF65-F5344CB8AC3E}">
+        <p14:creationId xmlns:p14="http://schemas.microsoft.com/office/powerpoint/2010/main" val="2412696578"/>
+      </p:ext>
+    </p:extLst>
+  </p:cSld>
+  <p:clrMapOvr>
+    <a:masterClrMapping/>
+  </p:clrMapOvr>
+  <p:timing>
+    <p:tnLst>
+      <p:par>
+        <p:cTn id="1" dur="indefinite" restart="never" nodeType="tmRoot"/>
+      </p:par>
+    </p:tnLst>
+  </p:timing>
+</p:sld>
+</file>
+
+<file path=ppt/slides/slide7.xml><?xml version="1.0" encoding="utf-8"?>
 <p:sld xmlns:a="http://schemas.openxmlformats.org/drawingml/2006/main" xmlns:r="http://schemas.openxmlformats.org/officeDocument/2006/relationships" xmlns:p="http://schemas.openxmlformats.org/presentationml/2006/main">
   <p:cSld>
     <p:spTree>
@@ -6234,7 +6577,7 @@
 </p:sld>
 </file>
 
-<file path=ppt/slides/slide7.xml><?xml version="1.0" encoding="utf-8"?>
+<file path=ppt/slides/slide8.xml><?xml version="1.0" encoding="utf-8"?>
 <p:sld xmlns:a="http://schemas.openxmlformats.org/drawingml/2006/main" xmlns:r="http://schemas.openxmlformats.org/officeDocument/2006/relationships" xmlns:p="http://schemas.openxmlformats.org/presentationml/2006/main">
   <p:cSld>
     <p:spTree>
@@ -6327,7 +6670,7 @@
 </p:sld>
 </file>
 
-<file path=ppt/slides/slide8.xml><?xml version="1.0" encoding="utf-8"?>
+<file path=ppt/slides/slide9.xml><?xml version="1.0" encoding="utf-8"?>
 <p:sld xmlns:a="http://schemas.openxmlformats.org/drawingml/2006/main" xmlns:r="http://schemas.openxmlformats.org/officeDocument/2006/relationships" xmlns:p="http://schemas.openxmlformats.org/presentationml/2006/main">
   <p:cSld>
     <p:spTree>
@@ -6377,6 +6720,13 @@
   <p:clrMapOvr>
     <a:masterClrMapping/>
   </p:clrMapOvr>
+  <p:timing>
+    <p:tnLst>
+      <p:par>
+        <p:cTn id="1" dur="indefinite" restart="never" nodeType="tmRoot"/>
+      </p:par>
+    </p:tnLst>
+  </p:timing>
 </p:sld>
 </file>
 
